--- a/NumberToLCD/CodingDojo_NumberToLDC.pptx
+++ b/NumberToLCD/CodingDojo_NumberToLDC.pptx
@@ -5,7 +5,7 @@
     <p:sldMasterId id="2147483648" r:id="rId1"/>
   </p:sldMasterIdLst>
   <p:notesMasterIdLst>
-    <p:notesMasterId r:id="rId13"/>
+    <p:notesMasterId r:id="rId15"/>
   </p:notesMasterIdLst>
   <p:sldIdLst>
     <p:sldId id="270" r:id="rId2"/>
@@ -19,6 +19,8 @@
     <p:sldId id="271" r:id="rId10"/>
     <p:sldId id="282" r:id="rId11"/>
     <p:sldId id="272" r:id="rId12"/>
+    <p:sldId id="284" r:id="rId13"/>
+    <p:sldId id="283" r:id="rId14"/>
   </p:sldIdLst>
   <p:sldSz cx="12192000" cy="6858000"/>
   <p:notesSz cx="6858000" cy="9144000"/>
@@ -218,7 +220,7 @@
           <a:p>
             <a:fld id="{550C01F7-036F-4DDB-91D3-72DE411FB950}" type="datetimeFigureOut">
               <a:rPr lang="de-AT" smtClean="0"/>
-              <a:t>01.10.2021</a:t>
+              <a:t>22.10.2021</a:t>
             </a:fld>
             <a:endParaRPr lang="de-AT"/>
           </a:p>
@@ -1859,6 +1861,90 @@
 </p:notes>
 </file>
 
+<file path=ppt/notesSlides/notesSlide8.xml><?xml version="1.0" encoding="utf-8"?>
+<p:notes xmlns:a="http://schemas.openxmlformats.org/drawingml/2006/main" xmlns:r="http://schemas.openxmlformats.org/officeDocument/2006/relationships" xmlns:p="http://schemas.openxmlformats.org/presentationml/2006/main">
+  <p:cSld>
+    <p:spTree>
+      <p:nvGrpSpPr>
+        <p:cNvPr id="1" name=""/>
+        <p:cNvGrpSpPr/>
+        <p:nvPr/>
+      </p:nvGrpSpPr>
+      <p:grpSpPr>
+        <a:xfrm>
+          <a:off x="0" y="0"/>
+          <a:ext cx="0" cy="0"/>
+          <a:chOff x="0" y="0"/>
+          <a:chExt cx="0" cy="0"/>
+        </a:xfrm>
+      </p:grpSpPr>
+      <p:sp>
+        <p:nvSpPr>
+          <p:cNvPr id="2" name="Slide Image Placeholder 1"/>
+          <p:cNvSpPr>
+            <a:spLocks noGrp="1" noRot="1" noChangeAspect="1"/>
+          </p:cNvSpPr>
+          <p:nvPr>
+            <p:ph type="sldImg"/>
+          </p:nvPr>
+        </p:nvSpPr>
+        <p:spPr/>
+      </p:sp>
+      <p:sp>
+        <p:nvSpPr>
+          <p:cNvPr id="3" name="Notes Placeholder 2"/>
+          <p:cNvSpPr>
+            <a:spLocks noGrp="1"/>
+          </p:cNvSpPr>
+          <p:nvPr>
+            <p:ph type="body" idx="1"/>
+          </p:nvPr>
+        </p:nvSpPr>
+        <p:spPr/>
+        <p:txBody>
+          <a:bodyPr/>
+          <a:lstStyle/>
+          <a:p>
+            <a:endParaRPr lang="de-AT" dirty="0"/>
+          </a:p>
+        </p:txBody>
+      </p:sp>
+      <p:sp>
+        <p:nvSpPr>
+          <p:cNvPr id="4" name="Slide Number Placeholder 3"/>
+          <p:cNvSpPr>
+            <a:spLocks noGrp="1"/>
+          </p:cNvSpPr>
+          <p:nvPr>
+            <p:ph type="sldNum" sz="quarter" idx="10"/>
+          </p:nvPr>
+        </p:nvSpPr>
+        <p:spPr/>
+        <p:txBody>
+          <a:bodyPr/>
+          <a:lstStyle/>
+          <a:p>
+            <a:fld id="{222DE6FD-D7F2-49F0-A0DD-6365E6F7E0B0}" type="slidenum">
+              <a:rPr lang="de-AT" smtClean="0"/>
+              <a:t>12</a:t>
+            </a:fld>
+            <a:endParaRPr lang="de-AT"/>
+          </a:p>
+        </p:txBody>
+      </p:sp>
+    </p:spTree>
+    <p:extLst>
+      <p:ext uri="{BB962C8B-B14F-4D97-AF65-F5344CB8AC3E}">
+        <p14:creationId xmlns:p14="http://schemas.microsoft.com/office/powerpoint/2010/main" val="2401359485"/>
+      </p:ext>
+    </p:extLst>
+  </p:cSld>
+  <p:clrMapOvr>
+    <a:masterClrMapping/>
+  </p:clrMapOvr>
+</p:notes>
+</file>
+
 <file path=ppt/slideLayouts/slideLayout1.xml><?xml version="1.0" encoding="utf-8"?>
 <p:sldLayout xmlns:a="http://schemas.openxmlformats.org/drawingml/2006/main" xmlns:r="http://schemas.openxmlformats.org/officeDocument/2006/relationships" xmlns:p="http://schemas.openxmlformats.org/presentationml/2006/main" type="title" preserve="1">
   <p:cSld name="Title Slide">
@@ -1990,7 +2076,7 @@
           <a:p>
             <a:fld id="{4F9BBA49-313F-47D7-A954-C3F504465317}" type="datetimeFigureOut">
               <a:rPr lang="de-AT" smtClean="0"/>
-              <a:t>01.10.2021</a:t>
+              <a:t>22.10.2021</a:t>
             </a:fld>
             <a:endParaRPr lang="de-AT"/>
           </a:p>
@@ -2160,7 +2246,7 @@
           <a:p>
             <a:fld id="{4F9BBA49-313F-47D7-A954-C3F504465317}" type="datetimeFigureOut">
               <a:rPr lang="de-AT" smtClean="0"/>
-              <a:t>01.10.2021</a:t>
+              <a:t>22.10.2021</a:t>
             </a:fld>
             <a:endParaRPr lang="de-AT"/>
           </a:p>
@@ -2340,7 +2426,7 @@
           <a:p>
             <a:fld id="{4F9BBA49-313F-47D7-A954-C3F504465317}" type="datetimeFigureOut">
               <a:rPr lang="de-AT" smtClean="0"/>
-              <a:t>01.10.2021</a:t>
+              <a:t>22.10.2021</a:t>
             </a:fld>
             <a:endParaRPr lang="de-AT"/>
           </a:p>
@@ -2510,7 +2596,7 @@
           <a:p>
             <a:fld id="{4F9BBA49-313F-47D7-A954-C3F504465317}" type="datetimeFigureOut">
               <a:rPr lang="de-AT" smtClean="0"/>
-              <a:t>01.10.2021</a:t>
+              <a:t>22.10.2021</a:t>
             </a:fld>
             <a:endParaRPr lang="de-AT"/>
           </a:p>
@@ -2756,7 +2842,7 @@
           <a:p>
             <a:fld id="{4F9BBA49-313F-47D7-A954-C3F504465317}" type="datetimeFigureOut">
               <a:rPr lang="de-AT" smtClean="0"/>
-              <a:t>01.10.2021</a:t>
+              <a:t>22.10.2021</a:t>
             </a:fld>
             <a:endParaRPr lang="de-AT"/>
           </a:p>
@@ -2988,7 +3074,7 @@
           <a:p>
             <a:fld id="{4F9BBA49-313F-47D7-A954-C3F504465317}" type="datetimeFigureOut">
               <a:rPr lang="de-AT" smtClean="0"/>
-              <a:t>01.10.2021</a:t>
+              <a:t>22.10.2021</a:t>
             </a:fld>
             <a:endParaRPr lang="de-AT"/>
           </a:p>
@@ -3355,7 +3441,7 @@
           <a:p>
             <a:fld id="{4F9BBA49-313F-47D7-A954-C3F504465317}" type="datetimeFigureOut">
               <a:rPr lang="de-AT" smtClean="0"/>
-              <a:t>01.10.2021</a:t>
+              <a:t>22.10.2021</a:t>
             </a:fld>
             <a:endParaRPr lang="de-AT"/>
           </a:p>
@@ -3473,7 +3559,7 @@
           <a:p>
             <a:fld id="{4F9BBA49-313F-47D7-A954-C3F504465317}" type="datetimeFigureOut">
               <a:rPr lang="de-AT" smtClean="0"/>
-              <a:t>01.10.2021</a:t>
+              <a:t>22.10.2021</a:t>
             </a:fld>
             <a:endParaRPr lang="de-AT"/>
           </a:p>
@@ -3568,7 +3654,7 @@
           <a:p>
             <a:fld id="{4F9BBA49-313F-47D7-A954-C3F504465317}" type="datetimeFigureOut">
               <a:rPr lang="de-AT" smtClean="0"/>
-              <a:t>01.10.2021</a:t>
+              <a:t>22.10.2021</a:t>
             </a:fld>
             <a:endParaRPr lang="de-AT"/>
           </a:p>
@@ -3845,7 +3931,7 @@
           <a:p>
             <a:fld id="{4F9BBA49-313F-47D7-A954-C3F504465317}" type="datetimeFigureOut">
               <a:rPr lang="de-AT" smtClean="0"/>
-              <a:t>01.10.2021</a:t>
+              <a:t>22.10.2021</a:t>
             </a:fld>
             <a:endParaRPr lang="de-AT"/>
           </a:p>
@@ -4098,7 +4184,7 @@
           <a:p>
             <a:fld id="{4F9BBA49-313F-47D7-A954-C3F504465317}" type="datetimeFigureOut">
               <a:rPr lang="de-AT" smtClean="0"/>
-              <a:t>01.10.2021</a:t>
+              <a:t>22.10.2021</a:t>
             </a:fld>
             <a:endParaRPr lang="de-AT"/>
           </a:p>
@@ -4311,7 +4397,7 @@
           <a:p>
             <a:fld id="{4F9BBA49-313F-47D7-A954-C3F504465317}" type="datetimeFigureOut">
               <a:rPr lang="de-AT" smtClean="0"/>
-              <a:t>01.10.2021</a:t>
+              <a:t>22.10.2021</a:t>
             </a:fld>
             <a:endParaRPr lang="de-AT"/>
           </a:p>
@@ -4832,6 +4918,13 @@
   <p:clrMapOvr>
     <a:masterClrMapping/>
   </p:clrMapOvr>
+  <p:timing>
+    <p:tnLst>
+      <p:par>
+        <p:cTn id="1" dur="indefinite" restart="never" nodeType="tmRoot"/>
+      </p:par>
+    </p:tnLst>
+  </p:timing>
 </p:sld>
 </file>
 
@@ -4915,6 +5008,13 @@
   <p:clrMapOvr>
     <a:masterClrMapping/>
   </p:clrMapOvr>
+  <p:timing>
+    <p:tnLst>
+      <p:par>
+        <p:cTn id="1" dur="indefinite" restart="never" nodeType="tmRoot"/>
+      </p:par>
+    </p:tnLst>
+  </p:timing>
 </p:sld>
 </file>
 
@@ -6771,6 +6871,336 @@
 </p:sld>
 </file>
 
+<file path=ppt/slides/slide12.xml><?xml version="1.0" encoding="utf-8"?>
+<p:sld xmlns:a="http://schemas.openxmlformats.org/drawingml/2006/main" xmlns:r="http://schemas.openxmlformats.org/officeDocument/2006/relationships" xmlns:p="http://schemas.openxmlformats.org/presentationml/2006/main">
+  <p:cSld>
+    <p:spTree>
+      <p:nvGrpSpPr>
+        <p:cNvPr id="1" name=""/>
+        <p:cNvGrpSpPr/>
+        <p:nvPr/>
+      </p:nvGrpSpPr>
+      <p:grpSpPr>
+        <a:xfrm>
+          <a:off x="0" y="0"/>
+          <a:ext cx="0" cy="0"/>
+          <a:chOff x="0" y="0"/>
+          <a:chExt cx="0" cy="0"/>
+        </a:xfrm>
+      </p:grpSpPr>
+      <p:sp>
+        <p:nvSpPr>
+          <p:cNvPr id="2" name="Title 1"/>
+          <p:cNvSpPr>
+            <a:spLocks noGrp="1"/>
+          </p:cNvSpPr>
+          <p:nvPr>
+            <p:ph type="title"/>
+          </p:nvPr>
+        </p:nvSpPr>
+        <p:spPr/>
+        <p:txBody>
+          <a:bodyPr/>
+          <a:lstStyle/>
+          <a:p>
+            <a:r>
+              <a:rPr lang="en-GB" dirty="0" err="1" smtClean="0"/>
+              <a:t>Vorteile</a:t>
+            </a:r>
+            <a:r>
+              <a:rPr lang="en-GB" dirty="0" smtClean="0"/>
+              <a:t>?</a:t>
+            </a:r>
+            <a:endParaRPr lang="de-AT" dirty="0"/>
+          </a:p>
+        </p:txBody>
+      </p:sp>
+      <p:sp>
+        <p:nvSpPr>
+          <p:cNvPr id="3" name="Content Placeholder 2"/>
+          <p:cNvSpPr>
+            <a:spLocks noGrp="1"/>
+          </p:cNvSpPr>
+          <p:nvPr>
+            <p:ph idx="1"/>
+          </p:nvPr>
+        </p:nvSpPr>
+        <p:spPr/>
+        <p:txBody>
+          <a:bodyPr/>
+          <a:lstStyle/>
+          <a:p>
+            <a:r>
+              <a:rPr lang="en-GB" dirty="0" err="1" smtClean="0"/>
+              <a:t>Visuell</a:t>
+            </a:r>
+            <a:r>
+              <a:rPr lang="en-GB" dirty="0" smtClean="0"/>
+              <a:t> </a:t>
+            </a:r>
+            <a:r>
+              <a:rPr lang="en-GB" dirty="0" err="1" smtClean="0"/>
+              <a:t>schnell</a:t>
+            </a:r>
+            <a:r>
+              <a:rPr lang="en-GB" dirty="0" smtClean="0"/>
+              <a:t> </a:t>
+            </a:r>
+            <a:r>
+              <a:rPr lang="en-GB" dirty="0" err="1" smtClean="0"/>
+              <a:t>erfassbar</a:t>
+            </a:r>
+            <a:endParaRPr lang="en-GB" dirty="0" smtClean="0"/>
+          </a:p>
+          <a:p>
+            <a:r>
+              <a:rPr lang="en-GB" dirty="0" smtClean="0"/>
+              <a:t>Test Code </a:t>
+            </a:r>
+            <a:r>
+              <a:rPr lang="en-GB" dirty="0" err="1" smtClean="0"/>
+              <a:t>kann</a:t>
+            </a:r>
+            <a:r>
+              <a:rPr lang="en-GB" dirty="0" smtClean="0"/>
+              <a:t> </a:t>
+            </a:r>
+            <a:r>
+              <a:rPr lang="en-GB" dirty="0" err="1" smtClean="0"/>
+              <a:t>einfacher</a:t>
+            </a:r>
+            <a:r>
+              <a:rPr lang="en-GB" dirty="0" smtClean="0"/>
+              <a:t> sein</a:t>
+            </a:r>
+          </a:p>
+          <a:p>
+            <a:r>
+              <a:rPr lang="en-GB" dirty="0" smtClean="0"/>
+              <a:t>Ideal </a:t>
+            </a:r>
+            <a:r>
+              <a:rPr lang="en-GB" dirty="0" err="1" smtClean="0"/>
+              <a:t>für</a:t>
+            </a:r>
+            <a:r>
+              <a:rPr lang="en-GB" dirty="0" smtClean="0"/>
+              <a:t> Legacy Code</a:t>
+            </a:r>
+          </a:p>
+          <a:p>
+            <a:pPr lvl="1"/>
+            <a:r>
+              <a:rPr lang="en-GB" dirty="0" smtClean="0"/>
+              <a:t>Legacy Code </a:t>
+            </a:r>
+            <a:r>
+              <a:rPr lang="en-GB" dirty="0" err="1" smtClean="0"/>
+              <a:t>ist</a:t>
+            </a:r>
+            <a:r>
+              <a:rPr lang="en-GB" dirty="0" smtClean="0"/>
+              <a:t> “</a:t>
+            </a:r>
+            <a:r>
+              <a:rPr lang="en-GB" dirty="0" err="1" smtClean="0"/>
+              <a:t>Goldenes</a:t>
+            </a:r>
+            <a:r>
+              <a:rPr lang="en-GB" dirty="0" smtClean="0"/>
+              <a:t> Muster”</a:t>
+            </a:r>
+          </a:p>
+          <a:p>
+            <a:endParaRPr lang="en-GB" dirty="0" smtClean="0"/>
+          </a:p>
+          <a:p>
+            <a:endParaRPr lang="de-AT" dirty="0"/>
+          </a:p>
+        </p:txBody>
+      </p:sp>
+    </p:spTree>
+    <p:extLst>
+      <p:ext uri="{BB962C8B-B14F-4D97-AF65-F5344CB8AC3E}">
+        <p14:creationId xmlns:p14="http://schemas.microsoft.com/office/powerpoint/2010/main" val="1987400796"/>
+      </p:ext>
+    </p:extLst>
+  </p:cSld>
+  <p:clrMapOvr>
+    <a:masterClrMapping/>
+  </p:clrMapOvr>
+  <p:timing>
+    <p:tnLst>
+      <p:par>
+        <p:cTn id="1" dur="indefinite" restart="never" nodeType="tmRoot"/>
+      </p:par>
+    </p:tnLst>
+  </p:timing>
+</p:sld>
+</file>
+
+<file path=ppt/slides/slide13.xml><?xml version="1.0" encoding="utf-8"?>
+<p:sld xmlns:a="http://schemas.openxmlformats.org/drawingml/2006/main" xmlns:r="http://schemas.openxmlformats.org/officeDocument/2006/relationships" xmlns:p="http://schemas.openxmlformats.org/presentationml/2006/main">
+  <p:cSld>
+    <p:spTree>
+      <p:nvGrpSpPr>
+        <p:cNvPr id="1" name=""/>
+        <p:cNvGrpSpPr/>
+        <p:nvPr/>
+      </p:nvGrpSpPr>
+      <p:grpSpPr>
+        <a:xfrm>
+          <a:off x="0" y="0"/>
+          <a:ext cx="0" cy="0"/>
+          <a:chOff x="0" y="0"/>
+          <a:chExt cx="0" cy="0"/>
+        </a:xfrm>
+      </p:grpSpPr>
+      <p:sp>
+        <p:nvSpPr>
+          <p:cNvPr id="2" name="Title 1"/>
+          <p:cNvSpPr>
+            <a:spLocks noGrp="1"/>
+          </p:cNvSpPr>
+          <p:nvPr>
+            <p:ph type="title"/>
+          </p:nvPr>
+        </p:nvSpPr>
+        <p:spPr/>
+        <p:txBody>
+          <a:bodyPr/>
+          <a:lstStyle/>
+          <a:p>
+            <a:r>
+              <a:rPr lang="en-GB" dirty="0" err="1" smtClean="0"/>
+              <a:t>Nachteile</a:t>
+            </a:r>
+            <a:r>
+              <a:rPr lang="en-GB" dirty="0" smtClean="0"/>
+              <a:t>?</a:t>
+            </a:r>
+            <a:endParaRPr lang="de-AT" dirty="0"/>
+          </a:p>
+        </p:txBody>
+      </p:sp>
+      <p:sp>
+        <p:nvSpPr>
+          <p:cNvPr id="3" name="Content Placeholder 2"/>
+          <p:cNvSpPr>
+            <a:spLocks noGrp="1"/>
+          </p:cNvSpPr>
+          <p:nvPr>
+            <p:ph idx="1"/>
+          </p:nvPr>
+        </p:nvSpPr>
+        <p:spPr/>
+        <p:txBody>
+          <a:bodyPr/>
+          <a:lstStyle/>
+          <a:p>
+            <a:r>
+              <a:rPr lang="en-GB" dirty="0" err="1" smtClean="0"/>
+              <a:t>PopUps</a:t>
+            </a:r>
+            <a:endParaRPr lang="en-GB" dirty="0" smtClean="0"/>
+          </a:p>
+          <a:p>
+            <a:r>
+              <a:rPr lang="en-GB" dirty="0" err="1" smtClean="0"/>
+              <a:t>Falsches</a:t>
+            </a:r>
+            <a:r>
+              <a:rPr lang="en-GB" dirty="0" smtClean="0"/>
+              <a:t> Approval </a:t>
+            </a:r>
+            <a:r>
+              <a:rPr lang="en-GB" dirty="0" err="1" smtClean="0"/>
+              <a:t>kann</a:t>
+            </a:r>
+            <a:r>
+              <a:rPr lang="en-GB" dirty="0" smtClean="0"/>
+              <a:t> </a:t>
+            </a:r>
+            <a:r>
+              <a:rPr lang="en-GB" dirty="0" err="1" smtClean="0"/>
+              <a:t>gefährlich</a:t>
+            </a:r>
+            <a:r>
+              <a:rPr lang="en-GB" dirty="0" smtClean="0"/>
+              <a:t> sein</a:t>
+            </a:r>
+          </a:p>
+          <a:p>
+            <a:r>
+              <a:rPr lang="en-GB" dirty="0" err="1" smtClean="0"/>
+              <a:t>Umbennungen</a:t>
+            </a:r>
+            <a:r>
+              <a:rPr lang="en-GB" dirty="0" smtClean="0"/>
+              <a:t> der Tests </a:t>
+            </a:r>
+            <a:r>
+              <a:rPr lang="en-GB" dirty="0" err="1" smtClean="0"/>
+              <a:t>werden</a:t>
+            </a:r>
+            <a:r>
+              <a:rPr lang="en-GB" dirty="0" smtClean="0"/>
+              <a:t> </a:t>
+            </a:r>
+            <a:r>
+              <a:rPr lang="en-GB" dirty="0" err="1" smtClean="0"/>
+              <a:t>nicht</a:t>
+            </a:r>
+            <a:r>
+              <a:rPr lang="en-GB" dirty="0" smtClean="0"/>
+              <a:t> </a:t>
+            </a:r>
+            <a:r>
+              <a:rPr lang="en-GB" dirty="0" err="1" smtClean="0"/>
+              <a:t>erkannt</a:t>
+            </a:r>
+            <a:endParaRPr lang="en-GB" dirty="0" smtClean="0"/>
+          </a:p>
+          <a:p>
+            <a:r>
+              <a:rPr lang="en-GB" dirty="0" err="1" smtClean="0"/>
+              <a:t>Viele</a:t>
+            </a:r>
+            <a:r>
+              <a:rPr lang="en-GB" dirty="0" smtClean="0"/>
+              <a:t> </a:t>
+            </a:r>
+            <a:r>
+              <a:rPr lang="en-GB" smtClean="0"/>
+              <a:t>Dateien</a:t>
+            </a:r>
+            <a:endParaRPr lang="en-GB" dirty="0" smtClean="0"/>
+          </a:p>
+          <a:p>
+            <a:endParaRPr lang="de-AT" dirty="0"/>
+          </a:p>
+        </p:txBody>
+      </p:sp>
+    </p:spTree>
+    <p:extLst>
+      <p:ext uri="{BB962C8B-B14F-4D97-AF65-F5344CB8AC3E}">
+        <p14:creationId xmlns:p14="http://schemas.microsoft.com/office/powerpoint/2010/main" val="249923024"/>
+      </p:ext>
+    </p:extLst>
+  </p:cSld>
+  <p:clrMapOvr>
+    <a:masterClrMapping/>
+  </p:clrMapOvr>
+  <p:timing>
+    <p:tnLst>
+      <p:par>
+        <p:cTn id="1" dur="indefinite" restart="never" nodeType="tmRoot"/>
+      </p:par>
+    </p:tnLst>
+  </p:timing>
+</p:sld>
+</file>
+
 <file path=ppt/slides/slide2.xml><?xml version="1.0" encoding="utf-8"?>
 <p:sld xmlns:a="http://schemas.openxmlformats.org/drawingml/2006/main" xmlns:r="http://schemas.openxmlformats.org/officeDocument/2006/relationships" xmlns:p="http://schemas.openxmlformats.org/presentationml/2006/main">
   <p:cSld>
@@ -7793,6 +8223,13 @@
   <p:clrMapOvr>
     <a:masterClrMapping/>
   </p:clrMapOvr>
+  <p:timing>
+    <p:tnLst>
+      <p:par>
+        <p:cTn id="1" dur="indefinite" restart="never" nodeType="tmRoot"/>
+      </p:par>
+    </p:tnLst>
+  </p:timing>
 </p:sld>
 </file>
 
@@ -10991,6 +11428,13 @@
   <p:clrMapOvr>
     <a:masterClrMapping/>
   </p:clrMapOvr>
+  <p:timing>
+    <p:tnLst>
+      <p:par>
+        <p:cTn id="1" dur="indefinite" restart="never" nodeType="tmRoot"/>
+      </p:par>
+    </p:tnLst>
+  </p:timing>
 </p:sld>
 </file>
 
@@ -11126,6 +11570,13 @@
   <p:clrMapOvr>
     <a:masterClrMapping/>
   </p:clrMapOvr>
+  <p:timing>
+    <p:tnLst>
+      <p:par>
+        <p:cTn id="1" dur="indefinite" restart="never" nodeType="tmRoot"/>
+      </p:par>
+    </p:tnLst>
+  </p:timing>
 </p:sld>
 </file>
 
@@ -14247,6 +14698,13 @@
   <p:clrMapOvr>
     <a:masterClrMapping/>
   </p:clrMapOvr>
+  <p:timing>
+    <p:tnLst>
+      <p:par>
+        <p:cTn id="1" dur="indefinite" restart="never" nodeType="tmRoot"/>
+      </p:par>
+    </p:tnLst>
+  </p:timing>
 </p:sld>
 </file>
 
@@ -14341,6 +14799,13 @@
   <p:clrMapOvr>
     <a:masterClrMapping/>
   </p:clrMapOvr>
+  <p:timing>
+    <p:tnLst>
+      <p:par>
+        <p:cTn id="1" dur="indefinite" restart="never" nodeType="tmRoot"/>
+      </p:par>
+    </p:tnLst>
+  </p:timing>
 </p:sld>
 </file>
 
